--- a/A-EvaluationLinDA-Fabrizio/dev/Evaluation reports/poster/Group-A-Poster .pptx
+++ b/A-EvaluationLinDA-Fabrizio/dev/Evaluation reports/poster/Group-A-Poster .pptx
@@ -145,17 +145,7 @@
 
 <file path=ppt/charts/chart1.xml><?xml version="1.0" encoding="utf-8"?>
 <c:chartSpace xmlns:c="http://schemas.openxmlformats.org/drawingml/2006/chart" xmlns:a="http://schemas.openxmlformats.org/drawingml/2006/main" xmlns:r="http://schemas.openxmlformats.org/officeDocument/2006/relationships">
-  <c:date1904 val="0"/>
-  <c:lang val="en-IN"/>
-  <c:roundedCorners val="0"/>
-  <mc:AlternateContent xmlns:mc="http://schemas.openxmlformats.org/markup-compatibility/2006">
-    <mc:Choice xmlns:c14="http://schemas.microsoft.com/office/drawing/2007/8/2/chart" Requires="c14">
-      <c14:style val="102"/>
-    </mc:Choice>
-    <mc:Fallback>
-      <c:style val="2"/>
-    </mc:Fallback>
-  </mc:AlternateContent>
+  <c:lang val="en-US"/>
   <c:chart>
     <c:title>
       <c:tx>
@@ -163,124 +153,6 @@
           <a:bodyPr/>
           <a:lstStyle/>
           <a:p>
-            <a:pPr>
-              <a:defRPr/>
-            </a:pPr>
-            <a:r>
-              <a:rPr lang="en-US" sz="1800" dirty="0"/>
-              <a:t>Overall impression about design of </a:t>
-            </a:r>
-            <a:r>
-              <a:rPr lang="en-US" sz="1800" dirty="0" smtClean="0"/>
-              <a:t>LinDA</a:t>
-            </a:r>
-            <a:endParaRPr lang="en-US" sz="1800" dirty="0"/>
-          </a:p>
-        </c:rich>
-      </c:tx>
-      <c:layout/>
-      <c:overlay val="0"/>
-    </c:title>
-    <c:autoTitleDeleted val="0"/>
-    <c:plotArea>
-      <c:layout/>
-      <c:pieChart>
-        <c:varyColors val="1"/>
-        <c:ser>
-          <c:idx val="0"/>
-          <c:order val="0"/>
-          <c:cat>
-            <c:strRef>
-              <c:f>Sheet1!$N$2:$P$2</c:f>
-              <c:strCache>
-                <c:ptCount val="3"/>
-                <c:pt idx="0">
-                  <c:v>Good</c:v>
-                </c:pt>
-                <c:pt idx="1">
-                  <c:v>Average</c:v>
-                </c:pt>
-                <c:pt idx="2">
-                  <c:v>Bad</c:v>
-                </c:pt>
-              </c:strCache>
-            </c:strRef>
-          </c:cat>
-          <c:val>
-            <c:numRef>
-              <c:f>Sheet1!$N$3:$P$3</c:f>
-              <c:numCache>
-                <c:formatCode>General</c:formatCode>
-                <c:ptCount val="3"/>
-                <c:pt idx="0">
-                  <c:v>52</c:v>
-                </c:pt>
-                <c:pt idx="1">
-                  <c:v>54</c:v>
-                </c:pt>
-                <c:pt idx="2">
-                  <c:v>14</c:v>
-                </c:pt>
-              </c:numCache>
-            </c:numRef>
-          </c:val>
-        </c:ser>
-        <c:dLbls>
-          <c:showLegendKey val="0"/>
-          <c:showVal val="0"/>
-          <c:showCatName val="0"/>
-          <c:showSerName val="0"/>
-          <c:showPercent val="1"/>
-          <c:showBubbleSize val="0"/>
-          <c:showLeaderLines val="0"/>
-        </c:dLbls>
-        <c:firstSliceAng val="0"/>
-      </c:pieChart>
-    </c:plotArea>
-    <c:legend>
-      <c:legendPos val="r"/>
-      <c:layout>
-        <c:manualLayout>
-          <c:xMode val="edge"/>
-          <c:yMode val="edge"/>
-          <c:x val="0.83283683289588806"/>
-          <c:y val="0.38074240719910007"/>
-          <c:w val="0.1532742782152231"/>
-          <c:h val="0.22552576761238177"/>
-        </c:manualLayout>
-      </c:layout>
-      <c:overlay val="0"/>
-    </c:legend>
-    <c:plotVisOnly val="1"/>
-    <c:dispBlanksAs val="gap"/>
-    <c:showDLblsOverMax val="0"/>
-  </c:chart>
-  <c:externalData r:id="rId1">
-    <c:autoUpdate val="0"/>
-  </c:externalData>
-</c:chartSpace>
-</file>
-
-<file path=ppt/charts/chart2.xml><?xml version="1.0" encoding="utf-8"?>
-<c:chartSpace xmlns:c="http://schemas.openxmlformats.org/drawingml/2006/chart" xmlns:a="http://schemas.openxmlformats.org/drawingml/2006/main" xmlns:r="http://schemas.openxmlformats.org/officeDocument/2006/relationships">
-  <c:date1904 val="0"/>
-  <c:lang val="en-IN"/>
-  <c:roundedCorners val="0"/>
-  <mc:AlternateContent xmlns:mc="http://schemas.openxmlformats.org/markup-compatibility/2006">
-    <mc:Choice xmlns:c14="http://schemas.microsoft.com/office/drawing/2007/8/2/chart" Requires="c14">
-      <c14:style val="102"/>
-    </mc:Choice>
-    <mc:Fallback>
-      <c:style val="2"/>
-    </mc:Fallback>
-  </mc:AlternateContent>
-  <c:chart>
-    <c:title>
-      <c:tx>
-        <c:rich>
-          <a:bodyPr/>
-          <a:lstStyle/>
-          <a:p>
             <a:pPr marL="0" marR="0" indent="0" algn="ctr" defTabSz="914400" rtl="0" eaLnBrk="1" fontAlgn="auto" latinLnBrk="0" hangingPunct="1">
               <a:lnSpc>
                 <a:spcPct val="100000"/>
@@ -296,7 +168,7 @@
               <a:buFontTx/>
               <a:buNone/>
               <a:tabLst/>
-              <a:defRPr sz="1800" b="1" i="0" u="none" strike="noStrike" kern="1200" baseline="0">
+              <a:defRPr lang="en-IN" sz="1800" b="1" i="0" u="none" strike="noStrike" kern="1200" baseline="0">
                 <a:solidFill>
                   <a:sysClr val="windowText" lastClr="000000"/>
                 </a:solidFill>
@@ -334,7 +206,7 @@
               <a:buFontTx/>
               <a:buNone/>
               <a:tabLst/>
-              <a:defRPr sz="1800" b="1" i="0" u="none" strike="noStrike" kern="1200" baseline="0">
+              <a:defRPr lang="en-IN" sz="1800" b="1" i="0" u="none" strike="noStrike" kern="1200" baseline="0">
                 <a:solidFill>
                   <a:sysClr val="windowText" lastClr="000000"/>
                 </a:solidFill>
@@ -351,19 +223,16 @@
         <c:manualLayout>
           <c:xMode val="edge"/>
           <c:yMode val="edge"/>
-          <c:x val="0.14738834811002988"/>
+          <c:x val="0.14738834811002996"/>
           <c:y val="0"/>
         </c:manualLayout>
       </c:layout>
-      <c:overlay val="0"/>
     </c:title>
-    <c:autoTitleDeleted val="0"/>
     <c:plotArea>
       <c:layout/>
       <c:barChart>
         <c:barDir val="col"/>
         <c:grouping val="clustered"/>
-        <c:varyColors val="0"/>
         <c:ser>
           <c:idx val="0"/>
           <c:order val="0"/>
@@ -378,7 +247,6 @@
               </c:strCache>
             </c:strRef>
           </c:tx>
-          <c:invertIfNegative val="0"/>
           <c:cat>
             <c:strRef>
               <c:f>Sheet1!$D$3:$D$8</c:f>
@@ -447,7 +315,6 @@
               </c:strCache>
             </c:strRef>
           </c:tx>
-          <c:invertIfNegative val="0"/>
           <c:cat>
             <c:strRef>
               <c:f>Sheet1!$D$3:$D$8</c:f>
@@ -516,7 +383,6 @@
               </c:strCache>
             </c:strRef>
           </c:tx>
-          <c:invertIfNegative val="0"/>
           <c:cat>
             <c:strRef>
               <c:f>Sheet1!$D$3:$D$8</c:f>
@@ -568,24 +434,14 @@
             </c:numRef>
           </c:val>
         </c:ser>
-        <c:dLbls>
-          <c:showLegendKey val="0"/>
-          <c:showVal val="0"/>
-          <c:showCatName val="0"/>
-          <c:showSerName val="0"/>
-          <c:showPercent val="0"/>
-          <c:showBubbleSize val="0"/>
-        </c:dLbls>
-        <c:gapWidth val="150"/>
-        <c:axId val="39480320"/>
-        <c:axId val="39482496"/>
+        <c:axId val="79508992"/>
+        <c:axId val="79510912"/>
       </c:barChart>
       <c:catAx>
-        <c:axId val="39480320"/>
+        <c:axId val="79508992"/>
         <c:scaling>
           <c:orientation val="minMax"/>
         </c:scaling>
-        <c:delete val="0"/>
         <c:axPos val="b"/>
         <c:title>
           <c:tx>
@@ -594,7 +450,7 @@
               <a:lstStyle/>
               <a:p>
                 <a:pPr>
-                  <a:defRPr/>
+                  <a:defRPr lang="en-IN"/>
                 </a:pPr>
                 <a:r>
                   <a:rPr lang="en-US"/>
@@ -604,24 +460,30 @@
             </c:rich>
           </c:tx>
           <c:layout/>
-          <c:overlay val="0"/>
         </c:title>
         <c:majorTickMark val="none"/>
-        <c:minorTickMark val="none"/>
         <c:tickLblPos val="nextTo"/>
-        <c:crossAx val="39482496"/>
+        <c:txPr>
+          <a:bodyPr/>
+          <a:lstStyle/>
+          <a:p>
+            <a:pPr>
+              <a:defRPr lang="en-IN"/>
+            </a:pPr>
+            <a:endParaRPr lang="en-US"/>
+          </a:p>
+        </c:txPr>
+        <c:crossAx val="79510912"/>
         <c:crosses val="autoZero"/>
         <c:auto val="1"/>
         <c:lblAlgn val="ctr"/>
         <c:lblOffset val="100"/>
-        <c:noMultiLvlLbl val="0"/>
       </c:catAx>
       <c:valAx>
-        <c:axId val="39482496"/>
+        <c:axId val="79510912"/>
         <c:scaling>
           <c:orientation val="minMax"/>
         </c:scaling>
-        <c:delete val="0"/>
         <c:axPos val="l"/>
         <c:majorGridlines/>
         <c:title>
@@ -631,7 +493,7 @@
               <a:lstStyle/>
               <a:p>
                 <a:pPr>
-                  <a:defRPr/>
+                  <a:defRPr lang="en-IN"/>
                 </a:pPr>
                 <a:r>
                   <a:rPr lang="en-US"/>
@@ -641,13 +503,20 @@
             </c:rich>
           </c:tx>
           <c:layout/>
-          <c:overlay val="0"/>
         </c:title>
         <c:numFmt formatCode="General" sourceLinked="1"/>
-        <c:majorTickMark val="out"/>
-        <c:minorTickMark val="none"/>
         <c:tickLblPos val="nextTo"/>
-        <c:crossAx val="39480320"/>
+        <c:txPr>
+          <a:bodyPr/>
+          <a:lstStyle/>
+          <a:p>
+            <a:pPr>
+              <a:defRPr lang="en-IN"/>
+            </a:pPr>
+            <a:endParaRPr lang="en-US"/>
+          </a:p>
+        </c:txPr>
+        <c:crossAx val="79508992"/>
         <c:crosses val="autoZero"/>
         <c:crossBetween val="between"/>
       </c:valAx>
@@ -655,31 +524,27 @@
     <c:legend>
       <c:legendPos val="r"/>
       <c:layout/>
-      <c:overlay val="0"/>
+      <c:txPr>
+        <a:bodyPr/>
+        <a:lstStyle/>
+        <a:p>
+          <a:pPr>
+            <a:defRPr lang="en-IN"/>
+          </a:pPr>
+          <a:endParaRPr lang="en-US"/>
+        </a:p>
+      </c:txPr>
     </c:legend>
     <c:plotVisOnly val="1"/>
     <c:dispBlanksAs val="gap"/>
-    <c:showDLblsOverMax val="0"/>
   </c:chart>
-  <c:externalData r:id="rId1">
-    <c:autoUpdate val="0"/>
-  </c:externalData>
+  <c:externalData r:id="rId1"/>
 </c:chartSpace>
 </file>
 
-<file path=ppt/charts/chart3.xml><?xml version="1.0" encoding="utf-8"?>
+<file path=ppt/charts/chart2.xml><?xml version="1.0" encoding="utf-8"?>
 <c:chartSpace xmlns:c="http://schemas.openxmlformats.org/drawingml/2006/chart" xmlns:a="http://schemas.openxmlformats.org/drawingml/2006/main" xmlns:r="http://schemas.openxmlformats.org/officeDocument/2006/relationships">
-  <c:date1904 val="0"/>
-  <c:lang val="en-IN"/>
-  <c:roundedCorners val="0"/>
-  <mc:AlternateContent xmlns:mc="http://schemas.openxmlformats.org/markup-compatibility/2006">
-    <mc:Choice xmlns:c14="http://schemas.microsoft.com/office/drawing/2007/8/2/chart" Requires="c14">
-      <c14:style val="102"/>
-    </mc:Choice>
-    <mc:Fallback>
-      <c:style val="2"/>
-    </mc:Fallback>
-  </mc:AlternateContent>
+  <c:lang val="en-US"/>
   <c:chart>
     <c:title>
       <c:tx>
@@ -692,360 +557,123 @@
             </a:pPr>
             <a:r>
               <a:rPr lang="en-US"/>
-              <a:t>Level of difficulty encounted by users</a:t>
-            </a:r>
+              <a:t>General</a:t>
+            </a:r>
+            <a:r>
+              <a:rPr lang="en-US" baseline="0"/>
+              <a:t> level of satisfaction of users</a:t>
+            </a:r>
+          </a:p>
+          <a:p>
+            <a:pPr>
+              <a:defRPr/>
+            </a:pPr>
+            <a:r>
+              <a:rPr lang="en-US" baseline="0"/>
+              <a:t> with LinDa</a:t>
+            </a:r>
+            <a:endParaRPr lang="en-US"/>
           </a:p>
         </c:rich>
       </c:tx>
-      <c:layout/>
-      <c:overlay val="0"/>
+      <c:layout>
+        <c:manualLayout>
+          <c:xMode val="edge"/>
+          <c:yMode val="edge"/>
+          <c:x val="0.27420496545074735"/>
+          <c:y val="0"/>
+        </c:manualLayout>
+      </c:layout>
     </c:title>
-    <c:autoTitleDeleted val="0"/>
     <c:plotArea>
-      <c:layout/>
-      <c:barChart>
-        <c:barDir val="col"/>
-        <c:grouping val="clustered"/>
-        <c:varyColors val="0"/>
+      <c:layout>
+        <c:manualLayout>
+          <c:layoutTarget val="inner"/>
+          <c:xMode val="edge"/>
+          <c:yMode val="edge"/>
+          <c:x val="0.20566460442444695"/>
+          <c:y val="0.21277306682818495"/>
+          <c:w val="0.37284090316525048"/>
+          <c:h val="0.72435622630504515"/>
+        </c:manualLayout>
+      </c:layout>
+      <c:pieChart>
+        <c:varyColors val="1"/>
         <c:ser>
           <c:idx val="0"/>
           <c:order val="0"/>
-          <c:tx>
-            <c:strRef>
-              <c:f>Sheet1!$E$16</c:f>
-              <c:strCache>
-                <c:ptCount val="1"/>
-                <c:pt idx="0">
-                  <c:v>Easy</c:v>
-                </c:pt>
-              </c:strCache>
-            </c:strRef>
-          </c:tx>
-          <c:invertIfNegative val="0"/>
+          <c:dLbls>
+            <c:dLbl>
+              <c:idx val="2"/>
+              <c:delete val="1"/>
+            </c:dLbl>
+            <c:showPercent val="1"/>
+            <c:showLeaderLines val="1"/>
+          </c:dLbls>
           <c:cat>
             <c:strRef>
-              <c:f>Sheet1!$D$17:$D$23</c:f>
+              <c:f>Sheet1!$S$11:$U$11</c:f>
               <c:strCache>
-                <c:ptCount val="7"/>
+                <c:ptCount val="3"/>
                 <c:pt idx="0">
-                  <c:v>Task 1</c:v>
+                  <c:v>Satisfied</c:v>
                 </c:pt>
                 <c:pt idx="1">
-                  <c:v>Task 2</c:v>
+                  <c:v>Average</c:v>
                 </c:pt>
                 <c:pt idx="2">
-                  <c:v>Task 3</c:v>
-                </c:pt>
-                <c:pt idx="3">
-                  <c:v>Task 4</c:v>
-                </c:pt>
-                <c:pt idx="4">
-                  <c:v>Task 5</c:v>
-                </c:pt>
-                <c:pt idx="5">
-                  <c:v>Task 6</c:v>
-                </c:pt>
-                <c:pt idx="6">
-                  <c:v>Task 7</c:v>
+                  <c:v>Unsatisfied</c:v>
                 </c:pt>
               </c:strCache>
             </c:strRef>
           </c:cat>
           <c:val>
             <c:numRef>
-              <c:f>Sheet1!$E$17:$E$23</c:f>
+              <c:f>Sheet1!$S$12:$U$12</c:f>
               <c:numCache>
                 <c:formatCode>General</c:formatCode>
-                <c:ptCount val="7"/>
+                <c:ptCount val="3"/>
                 <c:pt idx="0">
-                  <c:v>11</c:v>
+                  <c:v>7</c:v>
                 </c:pt>
                 <c:pt idx="1">
                   <c:v>12</c:v>
                 </c:pt>
                 <c:pt idx="2">
-                  <c:v>8</c:v>
-                </c:pt>
-                <c:pt idx="3">
-                  <c:v>14</c:v>
-                </c:pt>
-                <c:pt idx="4">
-                  <c:v>10</c:v>
-                </c:pt>
-                <c:pt idx="5">
-                  <c:v>12</c:v>
-                </c:pt>
-                <c:pt idx="6">
-                  <c:v>14</c:v>
-                </c:pt>
-              </c:numCache>
-            </c:numRef>
-          </c:val>
-        </c:ser>
-        <c:ser>
-          <c:idx val="1"/>
-          <c:order val="1"/>
-          <c:tx>
-            <c:strRef>
-              <c:f>Sheet1!$F$16</c:f>
-              <c:strCache>
-                <c:ptCount val="1"/>
-                <c:pt idx="0">
-                  <c:v>Medium</c:v>
-                </c:pt>
-              </c:strCache>
-            </c:strRef>
-          </c:tx>
-          <c:invertIfNegative val="0"/>
-          <c:cat>
-            <c:strRef>
-              <c:f>Sheet1!$D$17:$D$23</c:f>
-              <c:strCache>
-                <c:ptCount val="7"/>
-                <c:pt idx="0">
-                  <c:v>Task 1</c:v>
-                </c:pt>
-                <c:pt idx="1">
-                  <c:v>Task 2</c:v>
-                </c:pt>
-                <c:pt idx="2">
-                  <c:v>Task 3</c:v>
-                </c:pt>
-                <c:pt idx="3">
-                  <c:v>Task 4</c:v>
-                </c:pt>
-                <c:pt idx="4">
-                  <c:v>Task 5</c:v>
-                </c:pt>
-                <c:pt idx="5">
-                  <c:v>Task 6</c:v>
-                </c:pt>
-                <c:pt idx="6">
-                  <c:v>Task 7</c:v>
-                </c:pt>
-              </c:strCache>
-            </c:strRef>
-          </c:cat>
-          <c:val>
-            <c:numRef>
-              <c:f>Sheet1!$F$17:$F$23</c:f>
-              <c:numCache>
-                <c:formatCode>General</c:formatCode>
-                <c:ptCount val="7"/>
-                <c:pt idx="0">
-                  <c:v>9</c:v>
-                </c:pt>
-                <c:pt idx="1">
-                  <c:v>7</c:v>
-                </c:pt>
-                <c:pt idx="2">
-                  <c:v>8</c:v>
-                </c:pt>
-                <c:pt idx="3">
-                  <c:v>4</c:v>
-                </c:pt>
-                <c:pt idx="4">
-                  <c:v>7</c:v>
-                </c:pt>
-                <c:pt idx="5">
-                  <c:v>6</c:v>
-                </c:pt>
-                <c:pt idx="6">
-                  <c:v>5</c:v>
-                </c:pt>
-              </c:numCache>
-            </c:numRef>
-          </c:val>
-        </c:ser>
-        <c:ser>
-          <c:idx val="2"/>
-          <c:order val="2"/>
-          <c:tx>
-            <c:strRef>
-              <c:f>Sheet1!$G$16</c:f>
-              <c:strCache>
-                <c:ptCount val="1"/>
-                <c:pt idx="0">
-                  <c:v>Difficult</c:v>
-                </c:pt>
-              </c:strCache>
-            </c:strRef>
-          </c:tx>
-          <c:invertIfNegative val="0"/>
-          <c:cat>
-            <c:strRef>
-              <c:f>Sheet1!$D$17:$D$23</c:f>
-              <c:strCache>
-                <c:ptCount val="7"/>
-                <c:pt idx="0">
-                  <c:v>Task 1</c:v>
-                </c:pt>
-                <c:pt idx="1">
-                  <c:v>Task 2</c:v>
-                </c:pt>
-                <c:pt idx="2">
-                  <c:v>Task 3</c:v>
-                </c:pt>
-                <c:pt idx="3">
-                  <c:v>Task 4</c:v>
-                </c:pt>
-                <c:pt idx="4">
-                  <c:v>Task 5</c:v>
-                </c:pt>
-                <c:pt idx="5">
-                  <c:v>Task 6</c:v>
-                </c:pt>
-                <c:pt idx="6">
-                  <c:v>Task 7</c:v>
-                </c:pt>
-              </c:strCache>
-            </c:strRef>
-          </c:cat>
-          <c:val>
-            <c:numRef>
-              <c:f>Sheet1!$G$17:$G$23</c:f>
-              <c:numCache>
-                <c:formatCode>General</c:formatCode>
-                <c:ptCount val="7"/>
-                <c:pt idx="1">
-                  <c:v>1</c:v>
-                </c:pt>
-                <c:pt idx="2">
-                  <c:v>4</c:v>
-                </c:pt>
-                <c:pt idx="3">
-                  <c:v>2</c:v>
-                </c:pt>
-                <c:pt idx="4">
-                  <c:v>3</c:v>
-                </c:pt>
-                <c:pt idx="5">
-                  <c:v>2</c:v>
-                </c:pt>
-                <c:pt idx="6">
-                  <c:v>1</c:v>
+                  <c:v>0</c:v>
                 </c:pt>
               </c:numCache>
             </c:numRef>
           </c:val>
         </c:ser>
         <c:dLbls>
-          <c:showLegendKey val="0"/>
-          <c:showVal val="0"/>
-          <c:showCatName val="0"/>
-          <c:showSerName val="0"/>
-          <c:showPercent val="0"/>
-          <c:showBubbleSize val="0"/>
+          <c:showPercent val="1"/>
         </c:dLbls>
-        <c:gapWidth val="150"/>
-        <c:axId val="39513088"/>
-        <c:axId val="38929536"/>
-      </c:barChart>
-      <c:catAx>
-        <c:axId val="39513088"/>
-        <c:scaling>
-          <c:orientation val="minMax"/>
-        </c:scaling>
-        <c:delete val="0"/>
-        <c:axPos val="b"/>
-        <c:title>
-          <c:tx>
-            <c:rich>
-              <a:bodyPr/>
-              <a:lstStyle/>
-              <a:p>
-                <a:pPr>
-                  <a:defRPr/>
-                </a:pPr>
-                <a:r>
-                  <a:rPr lang="en-US"/>
-                  <a:t>Task</a:t>
-                </a:r>
-                <a:r>
-                  <a:rPr lang="en-US" baseline="0"/>
-                  <a:t>s</a:t>
-                </a:r>
-                <a:endParaRPr lang="en-US"/>
-              </a:p>
-            </c:rich>
-          </c:tx>
-          <c:layout/>
-          <c:overlay val="0"/>
-        </c:title>
-        <c:majorTickMark val="none"/>
-        <c:minorTickMark val="none"/>
-        <c:tickLblPos val="nextTo"/>
-        <c:crossAx val="38929536"/>
-        <c:crosses val="autoZero"/>
-        <c:auto val="1"/>
-        <c:lblAlgn val="ctr"/>
-        <c:lblOffset val="100"/>
-        <c:noMultiLvlLbl val="0"/>
-      </c:catAx>
-      <c:valAx>
-        <c:axId val="38929536"/>
-        <c:scaling>
-          <c:orientation val="minMax"/>
-        </c:scaling>
-        <c:delete val="0"/>
-        <c:axPos val="l"/>
-        <c:majorGridlines/>
-        <c:title>
-          <c:tx>
-            <c:rich>
-              <a:bodyPr/>
-              <a:lstStyle/>
-              <a:p>
-                <a:pPr>
-                  <a:defRPr/>
-                </a:pPr>
-                <a:r>
-                  <a:rPr lang="en-US"/>
-                  <a:t>Number of people</a:t>
-                </a:r>
-              </a:p>
-            </c:rich>
-          </c:tx>
-          <c:layout/>
-          <c:overlay val="0"/>
-        </c:title>
-        <c:numFmt formatCode="General" sourceLinked="1"/>
-        <c:majorTickMark val="out"/>
-        <c:minorTickMark val="none"/>
-        <c:tickLblPos val="nextTo"/>
-        <c:crossAx val="39513088"/>
-        <c:crosses val="autoZero"/>
-        <c:crossBetween val="between"/>
-      </c:valAx>
+        <c:firstSliceAng val="0"/>
+      </c:pieChart>
     </c:plotArea>
     <c:legend>
       <c:legendPos val="r"/>
-      <c:layout/>
-      <c:overlay val="0"/>
+      <c:layout>
+        <c:manualLayout>
+          <c:xMode val="edge"/>
+          <c:yMode val="edge"/>
+          <c:x val="0.72574541650928426"/>
+          <c:y val="0.41834791484397782"/>
+          <c:w val="0.15147754712479131"/>
+          <c:h val="0.25115157480314959"/>
+        </c:manualLayout>
+      </c:layout>
     </c:legend>
     <c:plotVisOnly val="1"/>
-    <c:dispBlanksAs val="gap"/>
-    <c:showDLblsOverMax val="0"/>
   </c:chart>
-  <c:externalData r:id="rId1">
-    <c:autoUpdate val="0"/>
-  </c:externalData>
+  <c:externalData r:id="rId1"/>
 </c:chartSpace>
 </file>
 
-<file path=ppt/charts/chart4.xml><?xml version="1.0" encoding="utf-8"?>
+<file path=ppt/charts/chart3.xml><?xml version="1.0" encoding="utf-8"?>
 <c:chartSpace xmlns:c="http://schemas.openxmlformats.org/drawingml/2006/chart" xmlns:a="http://schemas.openxmlformats.org/drawingml/2006/main" xmlns:r="http://schemas.openxmlformats.org/officeDocument/2006/relationships">
-  <c:date1904 val="0"/>
-  <c:lang val="en-IN"/>
-  <c:roundedCorners val="0"/>
-  <mc:AlternateContent xmlns:mc="http://schemas.openxmlformats.org/markup-compatibility/2006">
-    <mc:Choice xmlns:c14="http://schemas.microsoft.com/office/drawing/2007/8/2/chart" Requires="c14">
-      <c14:style val="102"/>
-    </mc:Choice>
-    <mc:Fallback>
-      <c:style val="2"/>
-    </mc:Fallback>
-  </mc:AlternateContent>
+  <c:lang val="en-US"/>
   <c:chart>
     <c:title>
       <c:tx>
@@ -1054,19 +682,22 @@
           <a:lstStyle/>
           <a:p>
             <a:pPr>
-              <a:defRPr sz="1800"/>
+              <a:defRPr/>
             </a:pPr>
             <a:r>
-              <a:rPr lang="en-US" sz="1800"/>
-              <a:t>General level of satisfaction of users with LinDa software</a:t>
-            </a:r>
+              <a:rPr lang="en-US"/>
+              <a:t>Overall impression about</a:t>
+            </a:r>
+            <a:r>
+              <a:rPr lang="en-US" baseline="0"/>
+              <a:t> the design of LinDa</a:t>
+            </a:r>
+            <a:endParaRPr lang="en-US"/>
           </a:p>
         </c:rich>
       </c:tx>
       <c:layout/>
-      <c:overlay val="0"/>
     </c:title>
-    <c:autoTitleDeleted val="0"/>
     <c:plotArea>
       <c:layout/>
       <c:pieChart>
@@ -1074,60 +705,67 @@
         <c:ser>
           <c:idx val="0"/>
           <c:order val="0"/>
+          <c:dLbls>
+            <c:showPercent val="1"/>
+          </c:dLbls>
           <c:cat>
             <c:strRef>
-              <c:f>Sheet1!$S$11:$T$11</c:f>
+              <c:f>Sheet1!$N$2:$P$2</c:f>
               <c:strCache>
-                <c:ptCount val="2"/>
+                <c:ptCount val="3"/>
                 <c:pt idx="0">
-                  <c:v>Satisfied</c:v>
+                  <c:v>Good</c:v>
                 </c:pt>
                 <c:pt idx="1">
                   <c:v>Average</c:v>
+                </c:pt>
+                <c:pt idx="2">
+                  <c:v>Bad</c:v>
                 </c:pt>
               </c:strCache>
             </c:strRef>
           </c:cat>
           <c:val>
             <c:numRef>
-              <c:f>Sheet1!$S$12:$T$12</c:f>
+              <c:f>Sheet1!$N$3:$P$3</c:f>
               <c:numCache>
                 <c:formatCode>General</c:formatCode>
-                <c:ptCount val="2"/>
+                <c:ptCount val="3"/>
                 <c:pt idx="0">
-                  <c:v>7</c:v>
+                  <c:v>52</c:v>
                 </c:pt>
                 <c:pt idx="1">
-                  <c:v>12</c:v>
+                  <c:v>54</c:v>
+                </c:pt>
+                <c:pt idx="2">
+                  <c:v>14</c:v>
                 </c:pt>
               </c:numCache>
             </c:numRef>
           </c:val>
         </c:ser>
         <c:dLbls>
-          <c:showLegendKey val="0"/>
-          <c:showVal val="0"/>
-          <c:showCatName val="0"/>
-          <c:showSerName val="0"/>
           <c:showPercent val="1"/>
-          <c:showBubbleSize val="0"/>
-          <c:showLeaderLines val="0"/>
         </c:dLbls>
         <c:firstSliceAng val="0"/>
       </c:pieChart>
     </c:plotArea>
     <c:legend>
       <c:legendPos val="r"/>
-      <c:layout/>
-      <c:overlay val="0"/>
+      <c:layout>
+        <c:manualLayout>
+          <c:xMode val="edge"/>
+          <c:yMode val="edge"/>
+          <c:x val="0.73273753280839926"/>
+          <c:y val="0.47384550889472166"/>
+          <c:w val="0.13948468941382336"/>
+          <c:h val="0.25115157480314959"/>
+        </c:manualLayout>
+      </c:layout>
     </c:legend>
     <c:plotVisOnly val="1"/>
-    <c:dispBlanksAs val="gap"/>
-    <c:showDLblsOverMax val="0"/>
   </c:chart>
-  <c:externalData r:id="rId1">
-    <c:autoUpdate val="0"/>
-  </c:externalData>
+  <c:externalData r:id="rId1"/>
 </c:chartSpace>
 </file>
 
@@ -1361,7 +999,7 @@
     </p:spTree>
     <p:extLst>
       <p:ext uri="{BB962C8B-B14F-4D97-AF65-F5344CB8AC3E}">
-        <p14:creationId xmlns:p14="http://schemas.microsoft.com/office/powerpoint/2010/main" val="2023057228"/>
+        <p14:creationId xmlns="" xmlns:p14="http://schemas.microsoft.com/office/powerpoint/2010/main" val="2023057228"/>
       </p:ext>
     </p:extLst>
   </p:cSld>
@@ -1663,7 +1301,7 @@
     </p:spTree>
     <p:extLst>
       <p:ext uri="{BB962C8B-B14F-4D97-AF65-F5344CB8AC3E}">
-        <p14:creationId xmlns:p14="http://schemas.microsoft.com/office/powerpoint/2010/main" val="1620552429"/>
+        <p14:creationId xmlns="" xmlns:p14="http://schemas.microsoft.com/office/powerpoint/2010/main" val="1620552429"/>
       </p:ext>
     </p:extLst>
   </p:cSld>
@@ -6014,18 +5652,7 @@
                 <a:ea typeface="Microsoft YaHei" pitchFamily="2"/>
                 <a:cs typeface="Mangal" pitchFamily="2"/>
               </a:rPr>
-              <a:t>LinDA </a:t>
-            </a:r>
-            <a:r>
-              <a:rPr lang="en-US" sz="3600" b="1" dirty="0" smtClean="0">
-                <a:solidFill>
-                  <a:schemeClr val="tx2"/>
-                </a:solidFill>
-                <a:latin typeface="+mj-lt"/>
-                <a:ea typeface="Microsoft YaHei" pitchFamily="2"/>
-                <a:cs typeface="Mangal" pitchFamily="2"/>
-              </a:rPr>
-              <a:t>project  </a:t>
+              <a:t>LinDA project  </a:t>
             </a:r>
             <a:r>
               <a:rPr lang="en-US" sz="3600" b="1" dirty="0">
@@ -6417,23 +6044,7 @@
                   <a:schemeClr val="tx2"/>
                 </a:solidFill>
               </a:rPr>
-              <a:t>Usability test on </a:t>
-            </a:r>
-            <a:r>
-              <a:rPr lang="en-US" sz="3800" b="1" dirty="0" smtClean="0">
-                <a:solidFill>
-                  <a:schemeClr val="tx2"/>
-                </a:solidFill>
-              </a:rPr>
-              <a:t>LinDA </a:t>
-            </a:r>
-            <a:r>
-              <a:rPr lang="en-US" sz="3800" b="1" dirty="0" smtClean="0">
-                <a:solidFill>
-                  <a:schemeClr val="tx2"/>
-                </a:solidFill>
-              </a:rPr>
-              <a:t>software was conducted with twenty(20) people ranging from novices to experts. Methods adopted in the evaluation process included questionnaires, cognitive walkthrough and interviews. Each user was given a maximum of seven (7) tasks to perform on the system. See bottom of poster for details on the tasks.</a:t>
+              <a:t>Usability test on LinDA software was conducted with twenty(20) people ranging from novices to experts. Methods adopted in the evaluation process included questionnaires, cognitive walkthrough and interviews. Each user was given a maximum of seven (7) tasks to perform on the system. See bottom of poster for details on the tasks.</a:t>
             </a:r>
             <a:endParaRPr lang="de-DE" sz="3800" dirty="0"/>
           </a:p>
@@ -6516,31 +6127,7 @@
                   <a:schemeClr val="tx2"/>
                 </a:solidFill>
               </a:rPr>
-              <a:t>, Lumira and </a:t>
-            </a:r>
-            <a:r>
-              <a:rPr lang="en-US" sz="3800" b="1" dirty="0" smtClean="0">
-                <a:solidFill>
-                  <a:schemeClr val="tx2"/>
-                </a:solidFill>
-              </a:rPr>
-              <a:t>a few others.  Emphasis was placed on </a:t>
-            </a:r>
-            <a:r>
-              <a:rPr lang="en-US" sz="3800" b="1" dirty="0" smtClean="0">
-                <a:solidFill>
-                  <a:schemeClr val="tx2"/>
-                </a:solidFill>
-              </a:rPr>
-              <a:t>analyzing </a:t>
-            </a:r>
-            <a:r>
-              <a:rPr lang="en-US" sz="3800" b="1" dirty="0" smtClean="0">
-                <a:solidFill>
-                  <a:schemeClr val="tx2"/>
-                </a:solidFill>
-              </a:rPr>
-              <a:t>properties </a:t>
+              <a:t>, Lumira and a few others.  Emphasis was placed on analyzing properties </a:t>
             </a:r>
             <a:r>
               <a:rPr lang="en-US" sz="3800" b="1" dirty="0">
@@ -6865,11 +6452,7 @@
             <a:pPr algn="ctr"/>
             <a:r>
               <a:rPr lang="en-US" sz="3200" b="1" dirty="0" smtClean="0"/>
-              <a:t>LinDA </a:t>
-            </a:r>
-            <a:r>
-              <a:rPr lang="en-US" sz="3200" b="1" dirty="0" smtClean="0"/>
-              <a:t>evaluation process: </a:t>
+              <a:t>LinDA evaluation process: </a:t>
             </a:r>
             <a:r>
               <a:rPr lang="en-US" sz="3200" b="1" dirty="0"/>
@@ -7240,15 +6823,7 @@
             </a:pPr>
             <a:r>
               <a:rPr lang="en-US" sz="3000" dirty="0" smtClean="0"/>
-              <a:t>Name: </a:t>
-            </a:r>
-            <a:r>
-              <a:rPr lang="en-US" sz="3000" dirty="0" smtClean="0"/>
-              <a:t>LinDA Visualization </a:t>
-            </a:r>
-            <a:r>
-              <a:rPr lang="en-US" sz="3000" dirty="0" smtClean="0"/>
-              <a:t>Production</a:t>
+              <a:t>Name: LinDA Visualization Production</a:t>
             </a:r>
           </a:p>
           <a:p>
@@ -7301,15 +6876,7 @@
             <a:pPr algn="ctr"/>
             <a:r>
               <a:rPr lang="en-US" sz="3200" b="1" dirty="0" smtClean="0"/>
-              <a:t>Sample </a:t>
-            </a:r>
-            <a:r>
-              <a:rPr lang="en-US" sz="3200" b="1" dirty="0" smtClean="0"/>
-              <a:t>LinDA </a:t>
-            </a:r>
-            <a:r>
-              <a:rPr lang="en-US" sz="3200" b="1" dirty="0" smtClean="0"/>
-              <a:t>interface</a:t>
+              <a:t>Sample LinDA interface</a:t>
             </a:r>
             <a:endParaRPr lang="en-US" sz="3200" b="1" dirty="0"/>
           </a:p>
@@ -7456,7 +7023,7 @@
         <p:spPr>
           <a:xfrm>
             <a:off x="10567987" y="30241875"/>
-            <a:ext cx="8305800" cy="830997"/>
+            <a:ext cx="8305800" cy="2554545"/>
           </a:xfrm>
           <a:prstGeom prst="rect">
             <a:avLst/>
@@ -7471,36 +7038,16 @@
           <a:p>
             <a:pPr algn="ctr"/>
             <a:r>
-              <a:rPr lang="en-US" sz="4800" b="1" dirty="0" smtClean="0">
+              <a:rPr lang="en-US" sz="8000" b="1" dirty="0" smtClean="0">
                 <a:solidFill>
                   <a:schemeClr val="accent1">
                     <a:lumMod val="75000"/>
                   </a:schemeClr>
                 </a:solidFill>
               </a:rPr>
-              <a:t>Other </a:t>
-            </a:r>
-            <a:r>
-              <a:rPr lang="en-US" sz="4800" b="1" dirty="0" smtClean="0">
-                <a:solidFill>
-                  <a:schemeClr val="accent1">
-                    <a:lumMod val="75000"/>
-                  </a:schemeClr>
-                </a:solidFill>
-              </a:rPr>
-              <a:t>Visualization </a:t>
-            </a:r>
-            <a:r>
-              <a:rPr lang="en-US" sz="4800" b="1" dirty="0" smtClean="0">
-                <a:solidFill>
-                  <a:schemeClr val="accent1">
-                    <a:lumMod val="75000"/>
-                  </a:schemeClr>
-                </a:solidFill>
-              </a:rPr>
-              <a:t>tools</a:t>
-            </a:r>
-            <a:endParaRPr lang="en-US" sz="4800" b="1" dirty="0">
+              <a:t>Other Visualization tools</a:t>
+            </a:r>
+            <a:endParaRPr lang="en-US" sz="8000" b="1" dirty="0">
               <a:solidFill>
                 <a:schemeClr val="accent1">
                   <a:lumMod val="75000"/>
@@ -7519,7 +7066,7 @@
           <p:nvPr>
             <p:extLst>
               <p:ext uri="{D42A27DB-BD31-4B8C-83A1-F6EECF244321}">
-                <p14:modId xmlns:p14="http://schemas.microsoft.com/office/powerpoint/2010/main" val="3705385039"/>
+                <p14:modId xmlns="" xmlns:p14="http://schemas.microsoft.com/office/powerpoint/2010/main" val="3705385039"/>
               </p:ext>
             </p:extLst>
           </p:nvPr>
@@ -7654,11 +7201,7 @@
                     <a:p>
                       <a:r>
                         <a:rPr lang="en-US" sz="4000" dirty="0" smtClean="0"/>
-                        <a:t>Visualize </a:t>
-                      </a:r>
-                      <a:r>
-                        <a:rPr lang="en-US" sz="4000" dirty="0" smtClean="0"/>
-                        <a:t>data/ navigate chart</a:t>
+                        <a:t>Visualize data/ navigate chart</a:t>
                       </a:r>
                       <a:endParaRPr lang="en-US" sz="4000" dirty="0"/>
                     </a:p>
@@ -7752,11 +7295,7 @@
                     <a:p>
                       <a:r>
                         <a:rPr lang="en-US" sz="4000" dirty="0" smtClean="0"/>
-                        <a:t>Save </a:t>
-                      </a:r>
-                      <a:r>
-                        <a:rPr lang="en-US" sz="4000" dirty="0" smtClean="0"/>
-                        <a:t>visualization</a:t>
+                        <a:t>Save visualization</a:t>
                       </a:r>
                       <a:endParaRPr lang="en-US" sz="4000" dirty="0"/>
                     </a:p>
@@ -7786,11 +7325,7 @@
                     <a:p>
                       <a:r>
                         <a:rPr lang="en-US" sz="4000" dirty="0" smtClean="0"/>
-                        <a:t>Visualizing </a:t>
-                      </a:r>
-                      <a:r>
-                        <a:rPr lang="en-US" sz="4000" dirty="0" smtClean="0"/>
-                        <a:t>another</a:t>
+                        <a:t>Visualizing another</a:t>
                       </a:r>
                       <a:r>
                         <a:rPr lang="en-US" sz="4000" baseline="0" dirty="0" smtClean="0"/>
@@ -7808,77 +7343,23 @@
       </p:graphicFrame>
       <p:graphicFrame>
         <p:nvGraphicFramePr>
-          <p:cNvPr id="84" name="Chart 83"/>
+          <p:cNvPr id="85" name="Chart 84"/>
           <p:cNvGraphicFramePr/>
           <p:nvPr>
             <p:extLst>
               <p:ext uri="{D42A27DB-BD31-4B8C-83A1-F6EECF244321}">
-                <p14:modId xmlns:p14="http://schemas.microsoft.com/office/powerpoint/2010/main" val="4080988200"/>
+                <p14:modId xmlns="" xmlns:p14="http://schemas.microsoft.com/office/powerpoint/2010/main" val="2006140870"/>
               </p:ext>
             </p:extLst>
           </p:nvPr>
         </p:nvGraphicFramePr>
         <p:xfrm>
-          <a:off x="357187" y="34813875"/>
-          <a:ext cx="5791200" cy="4343400"/>
+          <a:off x="11329987" y="34890075"/>
+          <a:ext cx="7772400" cy="4038600"/>
         </p:xfrm>
         <a:graphic>
           <a:graphicData uri="http://schemas.openxmlformats.org/drawingml/2006/chart">
             <c:chart xmlns:c="http://schemas.openxmlformats.org/drawingml/2006/chart" xmlns:r="http://schemas.openxmlformats.org/officeDocument/2006/relationships" r:id="rId17"/>
-          </a:graphicData>
-        </a:graphic>
-      </p:graphicFrame>
-      <p:graphicFrame>
-        <p:nvGraphicFramePr>
-          <p:cNvPr id="85" name="Chart 84"/>
-          <p:cNvGraphicFramePr/>
-          <p:nvPr>
-            <p:extLst>
-              <p:ext uri="{D42A27DB-BD31-4B8C-83A1-F6EECF244321}">
-                <p14:modId xmlns:p14="http://schemas.microsoft.com/office/powerpoint/2010/main" val="2006140870"/>
-              </p:ext>
-            </p:extLst>
-          </p:nvPr>
-        </p:nvGraphicFramePr>
-        <p:xfrm>
-          <a:off x="7062787" y="34813875"/>
-          <a:ext cx="6934200" cy="4343400"/>
-        </p:xfrm>
-        <a:graphic>
-          <a:graphicData uri="http://schemas.openxmlformats.org/drawingml/2006/chart">
-            <c:chart xmlns:c="http://schemas.openxmlformats.org/drawingml/2006/chart" xmlns:r="http://schemas.openxmlformats.org/officeDocument/2006/relationships" r:id="rId18"/>
-          </a:graphicData>
-        </a:graphic>
-      </p:graphicFrame>
-      <p:graphicFrame>
-        <p:nvGraphicFramePr>
-          <p:cNvPr id="86" name="Chart 85"/>
-          <p:cNvGraphicFramePr/>
-          <p:nvPr/>
-        </p:nvGraphicFramePr>
-        <p:xfrm>
-          <a:off x="15749587" y="35042475"/>
-          <a:ext cx="6477000" cy="4419600"/>
-        </p:xfrm>
-        <a:graphic>
-          <a:graphicData uri="http://schemas.openxmlformats.org/drawingml/2006/chart">
-            <c:chart xmlns:c="http://schemas.openxmlformats.org/drawingml/2006/chart" xmlns:r="http://schemas.openxmlformats.org/officeDocument/2006/relationships" r:id="rId19"/>
-          </a:graphicData>
-        </a:graphic>
-      </p:graphicFrame>
-      <p:graphicFrame>
-        <p:nvGraphicFramePr>
-          <p:cNvPr id="87" name="Chart 86"/>
-          <p:cNvGraphicFramePr/>
-          <p:nvPr/>
-        </p:nvGraphicFramePr>
-        <p:xfrm>
-          <a:off x="23140987" y="34966275"/>
-          <a:ext cx="6477000" cy="4114800"/>
-        </p:xfrm>
-        <a:graphic>
-          <a:graphicData uri="http://schemas.openxmlformats.org/drawingml/2006/chart">
-            <c:chart xmlns:c="http://schemas.openxmlformats.org/drawingml/2006/chart" xmlns:r="http://schemas.openxmlformats.org/officeDocument/2006/relationships" r:id="rId20"/>
           </a:graphicData>
         </a:graphic>
       </p:graphicFrame>
@@ -7927,7 +7408,7 @@
           <p:nvPr/>
         </p:nvPicPr>
         <p:blipFill>
-          <a:blip r:embed="rId21" cstate="print"/>
+          <a:blip r:embed="rId18" cstate="print"/>
           <a:srcRect/>
           <a:stretch>
             <a:fillRect/>
@@ -7957,7 +7438,7 @@
           <p:nvPr/>
         </p:nvPicPr>
         <p:blipFill>
-          <a:blip r:embed="rId22" cstate="print"/>
+          <a:blip r:embed="rId19" cstate="print"/>
           <a:srcRect/>
           <a:stretch>
             <a:fillRect/>
@@ -7980,6 +7461,116 @@
           </a:ln>
         </p:spPr>
       </p:pic>
+      <p:graphicFrame>
+        <p:nvGraphicFramePr>
+          <p:cNvPr id="72" name="Chart 71"/>
+          <p:cNvGraphicFramePr/>
+          <p:nvPr/>
+        </p:nvGraphicFramePr>
+        <p:xfrm>
+          <a:off x="20854987" y="34966275"/>
+          <a:ext cx="8077200" cy="3962400"/>
+        </p:xfrm>
+        <a:graphic>
+          <a:graphicData uri="http://schemas.openxmlformats.org/drawingml/2006/chart">
+            <c:chart xmlns:c="http://schemas.openxmlformats.org/drawingml/2006/chart" xmlns:r="http://schemas.openxmlformats.org/officeDocument/2006/relationships" r:id="rId20"/>
+          </a:graphicData>
+        </a:graphic>
+      </p:graphicFrame>
+      <p:sp>
+        <p:nvSpPr>
+          <p:cNvPr id="75" name="TextBox 74"/>
+          <p:cNvSpPr txBox="1"/>
+          <p:nvPr/>
+        </p:nvSpPr>
+        <p:spPr>
+          <a:xfrm>
+            <a:off x="509587" y="38928675"/>
+            <a:ext cx="28270200" cy="830997"/>
+          </a:xfrm>
+          <a:prstGeom prst="rect">
+            <a:avLst/>
+          </a:prstGeom>
+          <a:noFill/>
+        </p:spPr>
+        <p:txBody>
+          <a:bodyPr wrap="square" rtlCol="0">
+            <a:spAutoFit/>
+          </a:bodyPr>
+          <a:lstStyle/>
+          <a:p>
+            <a:r>
+              <a:rPr lang="en-US" sz="2400" b="1" dirty="0" smtClean="0">
+                <a:solidFill>
+                  <a:srgbClr val="0070C0"/>
+                </a:solidFill>
+              </a:rPr>
+              <a:t>Detailed information on evaluation reports can be found on  </a:t>
+            </a:r>
+            <a:r>
+              <a:rPr lang="en-US" sz="2400" b="1" dirty="0" err="1" smtClean="0">
+                <a:solidFill>
+                  <a:srgbClr val="0070C0"/>
+                </a:solidFill>
+              </a:rPr>
+              <a:t>Github</a:t>
+            </a:r>
+            <a:r>
+              <a:rPr lang="en-US" sz="2400" b="1" dirty="0" smtClean="0">
+                <a:solidFill>
+                  <a:srgbClr val="0070C0"/>
+                </a:solidFill>
+              </a:rPr>
+              <a:t> </a:t>
+            </a:r>
+            <a:r>
+              <a:rPr lang="en-US" sz="2400" b="1" smtClean="0">
+                <a:solidFill>
+                  <a:srgbClr val="0070C0"/>
+                </a:solidFill>
+              </a:rPr>
+              <a:t>link </a:t>
+            </a:r>
+            <a:r>
+              <a:rPr lang="en-US" sz="2400" b="1" smtClean="0">
+                <a:solidFill>
+                  <a:srgbClr val="0070C0"/>
+                </a:solidFill>
+              </a:rPr>
+              <a:t>: </a:t>
+            </a:r>
+            <a:r>
+              <a:rPr lang="en-US" sz="2400" b="1" dirty="0" smtClean="0">
+                <a:solidFill>
+                  <a:srgbClr val="0070C0"/>
+                </a:solidFill>
+              </a:rPr>
+              <a:t>https://github.com/EIS-Bonn/MA-INF4314-Lab/blob/master/A-EvaluationLinDA-Fabrizio/dev/Evaluation%20reports/Group-A-Technical-System-Documentation.pdf</a:t>
+            </a:r>
+            <a:endParaRPr lang="en-US" sz="2400" b="1" dirty="0">
+              <a:solidFill>
+                <a:srgbClr val="0070C0"/>
+              </a:solidFill>
+            </a:endParaRPr>
+          </a:p>
+        </p:txBody>
+      </p:sp>
+      <p:graphicFrame>
+        <p:nvGraphicFramePr>
+          <p:cNvPr id="77" name="Chart 76"/>
+          <p:cNvGraphicFramePr/>
+          <p:nvPr/>
+        </p:nvGraphicFramePr>
+        <p:xfrm>
+          <a:off x="738187" y="34890075"/>
+          <a:ext cx="8382000" cy="3429000"/>
+        </p:xfrm>
+        <a:graphic>
+          <a:graphicData uri="http://schemas.openxmlformats.org/drawingml/2006/chart">
+            <c:chart xmlns:c="http://schemas.openxmlformats.org/drawingml/2006/chart" xmlns:r="http://schemas.openxmlformats.org/officeDocument/2006/relationships" r:id="rId21"/>
+          </a:graphicData>
+        </a:graphic>
+      </p:graphicFrame>
     </p:spTree>
   </p:cSld>
   <p:clrMapOvr>
